--- a/Présentation projet.pptx
+++ b/Présentation projet.pptx
@@ -4257,6 +4257,36 @@
           </a:p>
         </p:txBody>
       </p:sp>
+      <p:pic>
+        <p:nvPicPr>
+          <p:cNvPr id="2" name="Image 1"/>
+          <p:cNvPicPr>
+            <a:picLocks noChangeAspect="1"/>
+          </p:cNvPicPr>
+          <p:nvPr/>
+        </p:nvPicPr>
+        <p:blipFill>
+          <a:blip r:embed="rId3">
+            <a:extLst>
+              <a:ext uri="{28A0092B-C50C-407E-A947-70E740481C1C}">
+                <a14:useLocalDpi xmlns:a14="http://schemas.microsoft.com/office/drawing/2010/main" val="0"/>
+              </a:ext>
+            </a:extLst>
+          </a:blip>
+          <a:stretch>
+            <a:fillRect/>
+          </a:stretch>
+        </p:blipFill>
+        <p:spPr>
+          <a:xfrm>
+            <a:off x="2860038" y="1743874"/>
+            <a:ext cx="6697105" cy="4633796"/>
+          </a:xfrm>
+          <a:prstGeom prst="rect">
+            <a:avLst/>
+          </a:prstGeom>
+        </p:spPr>
+      </p:pic>
     </p:spTree>
     <p:extLst>
       <p:ext uri="{BB962C8B-B14F-4D97-AF65-F5344CB8AC3E}">
@@ -5216,6 +5246,127 @@
           </a:p>
         </p:txBody>
       </p:sp>
+      <p:sp>
+        <p:nvSpPr>
+          <p:cNvPr id="2" name="ZoneTexte 1"/>
+          <p:cNvSpPr txBox="1"/>
+          <p:nvPr/>
+        </p:nvSpPr>
+        <p:spPr>
+          <a:xfrm>
+            <a:off x="3998068" y="2400742"/>
+            <a:ext cx="5372099" cy="646331"/>
+          </a:xfrm>
+          <a:prstGeom prst="rect">
+            <a:avLst/>
+          </a:prstGeom>
+          <a:noFill/>
+        </p:spPr>
+        <p:txBody>
+          <a:bodyPr wrap="square" rtlCol="0">
+            <a:spAutoFit/>
+          </a:bodyPr>
+          <a:lstStyle/>
+          <a:p>
+            <a:r>
+              <a:rPr lang="fr-FR" sz="3600" dirty="0">
+                <a:latin typeface="Californian FB" panose="0207040306080B030204" pitchFamily="18" charset="0"/>
+              </a:rPr>
+              <a:t>Merci de votre attention</a:t>
+            </a:r>
+          </a:p>
+        </p:txBody>
+      </p:sp>
+      <p:pic>
+        <p:nvPicPr>
+          <p:cNvPr id="3" name="Image 2"/>
+          <p:cNvPicPr>
+            <a:picLocks noChangeAspect="1"/>
+          </p:cNvPicPr>
+          <p:nvPr/>
+        </p:nvPicPr>
+        <p:blipFill>
+          <a:blip r:embed="rId3">
+            <a:extLst>
+              <a:ext uri="{28A0092B-C50C-407E-A947-70E740481C1C}">
+                <a14:useLocalDpi xmlns:a14="http://schemas.microsoft.com/office/drawing/2010/main" val="0"/>
+              </a:ext>
+            </a:extLst>
+          </a:blip>
+          <a:stretch>
+            <a:fillRect/>
+          </a:stretch>
+        </p:blipFill>
+        <p:spPr>
+          <a:xfrm>
+            <a:off x="-335337" y="1919272"/>
+            <a:ext cx="5241267" cy="3930950"/>
+          </a:xfrm>
+          <a:prstGeom prst="rect">
+            <a:avLst/>
+          </a:prstGeom>
+        </p:spPr>
+      </p:pic>
+      <p:pic>
+        <p:nvPicPr>
+          <p:cNvPr id="10" name="Image 9"/>
+          <p:cNvPicPr>
+            <a:picLocks noChangeAspect="1"/>
+          </p:cNvPicPr>
+          <p:nvPr/>
+        </p:nvPicPr>
+        <p:blipFill>
+          <a:blip r:embed="rId4">
+            <a:extLst>
+              <a:ext uri="{28A0092B-C50C-407E-A947-70E740481C1C}">
+                <a14:useLocalDpi xmlns:a14="http://schemas.microsoft.com/office/drawing/2010/main" val="0"/>
+              </a:ext>
+            </a:extLst>
+          </a:blip>
+          <a:stretch>
+            <a:fillRect/>
+          </a:stretch>
+        </p:blipFill>
+        <p:spPr>
+          <a:xfrm>
+            <a:off x="5078394" y="3539597"/>
+            <a:ext cx="2919712" cy="2919712"/>
+          </a:xfrm>
+          <a:prstGeom prst="rect">
+            <a:avLst/>
+          </a:prstGeom>
+        </p:spPr>
+      </p:pic>
+      <p:pic>
+        <p:nvPicPr>
+          <p:cNvPr id="11" name="Image 10"/>
+          <p:cNvPicPr>
+            <a:picLocks noChangeAspect="1"/>
+          </p:cNvPicPr>
+          <p:nvPr/>
+        </p:nvPicPr>
+        <p:blipFill>
+          <a:blip r:embed="rId5">
+            <a:extLst>
+              <a:ext uri="{28A0092B-C50C-407E-A947-70E740481C1C}">
+                <a14:useLocalDpi xmlns:a14="http://schemas.microsoft.com/office/drawing/2010/main" val="0"/>
+              </a:ext>
+            </a:extLst>
+          </a:blip>
+          <a:stretch>
+            <a:fillRect/>
+          </a:stretch>
+        </p:blipFill>
+        <p:spPr>
+          <a:xfrm>
+            <a:off x="9023625" y="2997764"/>
+            <a:ext cx="2956608" cy="1773965"/>
+          </a:xfrm>
+          <a:prstGeom prst="rect">
+            <a:avLst/>
+          </a:prstGeom>
+        </p:spPr>
+      </p:pic>
     </p:spTree>
     <p:extLst>
       <p:ext uri="{BB962C8B-B14F-4D97-AF65-F5344CB8AC3E}">

--- a/Présentation projet.pptx
+++ b/Présentation projet.pptx
@@ -3652,7 +3652,7 @@
       </p:pic>
       <p:pic>
         <p:nvPicPr>
-          <p:cNvPr id="2" name="Image 1"/>
+          <p:cNvPr id="3" name="Image 2"/>
           <p:cNvPicPr>
             <a:picLocks noChangeAspect="1"/>
           </p:cNvPicPr>
@@ -3672,8 +3672,8 @@
         </p:blipFill>
         <p:spPr>
           <a:xfrm>
-            <a:off x="2179012" y="1669821"/>
-            <a:ext cx="7635272" cy="4522363"/>
+            <a:off x="1935744" y="1532826"/>
+            <a:ext cx="8121807" cy="4814283"/>
           </a:xfrm>
           <a:prstGeom prst="rect">
             <a:avLst/>
@@ -3895,7 +3895,7 @@
                                           </p:stCondLst>
                                         </p:cTn>
                                         <p:tgtEl>
-                                          <p:spTgt spid="2"/>
+                                          <p:spTgt spid="3"/>
                                         </p:tgtEl>
                                         <p:attrNameLst>
                                           <p:attrName>style.visibility</p:attrName>
@@ -4618,39 +4618,6 @@
           </a:p>
         </p:txBody>
       </p:sp>
-      <p:sp>
-        <p:nvSpPr>
-          <p:cNvPr id="2" name="ZoneTexte 1"/>
-          <p:cNvSpPr txBox="1"/>
-          <p:nvPr/>
-        </p:nvSpPr>
-        <p:spPr>
-          <a:xfrm>
-            <a:off x="6214438" y="113719"/>
-            <a:ext cx="2576146" cy="369332"/>
-          </a:xfrm>
-          <a:prstGeom prst="rect">
-            <a:avLst/>
-          </a:prstGeom>
-          <a:noFill/>
-        </p:spPr>
-        <p:txBody>
-          <a:bodyPr wrap="square" rtlCol="0">
-            <a:spAutoFit/>
-          </a:bodyPr>
-          <a:lstStyle/>
-          <a:p>
-            <a:r>
-              <a:rPr lang="fr-FR" dirty="0" err="1"/>
-              <a:t>Fritzing</a:t>
-            </a:r>
-            <a:r>
-              <a:rPr lang="fr-FR" dirty="0"/>
-              <a:t> + photo montage</a:t>
-            </a:r>
-          </a:p>
-        </p:txBody>
-      </p:sp>
       <p:pic>
         <p:nvPicPr>
           <p:cNvPr id="3" name="Image 2"/>
@@ -4735,6 +4702,66 @@
           <a:xfrm>
             <a:off x="2988690" y="1605856"/>
             <a:ext cx="6205309" cy="4653982"/>
+          </a:xfrm>
+          <a:prstGeom prst="rect">
+            <a:avLst/>
+          </a:prstGeom>
+        </p:spPr>
+      </p:pic>
+      <p:pic>
+        <p:nvPicPr>
+          <p:cNvPr id="13" name="Image 12"/>
+          <p:cNvPicPr>
+            <a:picLocks noChangeAspect="1"/>
+          </p:cNvPicPr>
+          <p:nvPr/>
+        </p:nvPicPr>
+        <p:blipFill>
+          <a:blip r:embed="rId6">
+            <a:extLst>
+              <a:ext uri="{28A0092B-C50C-407E-A947-70E740481C1C}">
+                <a14:useLocalDpi xmlns:a14="http://schemas.microsoft.com/office/drawing/2010/main" val="0"/>
+              </a:ext>
+            </a:extLst>
+          </a:blip>
+          <a:stretch>
+            <a:fillRect/>
+          </a:stretch>
+        </p:blipFill>
+        <p:spPr>
+          <a:xfrm>
+            <a:off x="3192965" y="1914954"/>
+            <a:ext cx="5796758" cy="3894520"/>
+          </a:xfrm>
+          <a:prstGeom prst="rect">
+            <a:avLst/>
+          </a:prstGeom>
+        </p:spPr>
+      </p:pic>
+      <p:pic>
+        <p:nvPicPr>
+          <p:cNvPr id="14" name="Image 13"/>
+          <p:cNvPicPr>
+            <a:picLocks noChangeAspect="1"/>
+          </p:cNvPicPr>
+          <p:nvPr/>
+        </p:nvPicPr>
+        <p:blipFill>
+          <a:blip r:embed="rId7">
+            <a:extLst>
+              <a:ext uri="{28A0092B-C50C-407E-A947-70E740481C1C}">
+                <a14:useLocalDpi xmlns:a14="http://schemas.microsoft.com/office/drawing/2010/main" val="0"/>
+              </a:ext>
+            </a:extLst>
+          </a:blip>
+          <a:stretch>
+            <a:fillRect/>
+          </a:stretch>
+        </p:blipFill>
+        <p:spPr>
+          <a:xfrm>
+            <a:off x="3931212" y="1327902"/>
+            <a:ext cx="5067303" cy="5209890"/>
           </a:xfrm>
           <a:prstGeom prst="rect">
             <a:avLst/>
@@ -4885,6 +4912,150 @@
                                         </p:cTn>
                                         <p:tgtEl>
                                           <p:spTgt spid="10"/>
+                                        </p:tgtEl>
+                                        <p:attrNameLst>
+                                          <p:attrName>style.visibility</p:attrName>
+                                        </p:attrNameLst>
+                                      </p:cBhvr>
+                                      <p:to>
+                                        <p:strVal val="visible"/>
+                                      </p:to>
+                                    </p:set>
+                                  </p:childTnLst>
+                                </p:cTn>
+                              </p:par>
+                            </p:childTnLst>
+                          </p:cTn>
+                        </p:par>
+                      </p:childTnLst>
+                    </p:cTn>
+                  </p:par>
+                  <p:par>
+                    <p:cTn id="15" fill="hold">
+                      <p:stCondLst>
+                        <p:cond delay="indefinite"/>
+                      </p:stCondLst>
+                      <p:childTnLst>
+                        <p:par>
+                          <p:cTn id="16" fill="hold">
+                            <p:stCondLst>
+                              <p:cond delay="0"/>
+                            </p:stCondLst>
+                            <p:childTnLst>
+                              <p:par>
+                                <p:cTn id="17" presetID="1" presetClass="exit" presetSubtype="0" fill="hold" nodeType="clickEffect">
+                                  <p:stCondLst>
+                                    <p:cond delay="0"/>
+                                  </p:stCondLst>
+                                  <p:childTnLst>
+                                    <p:set>
+                                      <p:cBhvr>
+                                        <p:cTn id="18" dur="1" fill="hold">
+                                          <p:stCondLst>
+                                            <p:cond delay="0"/>
+                                          </p:stCondLst>
+                                        </p:cTn>
+                                        <p:tgtEl>
+                                          <p:spTgt spid="10"/>
+                                        </p:tgtEl>
+                                        <p:attrNameLst>
+                                          <p:attrName>style.visibility</p:attrName>
+                                        </p:attrNameLst>
+                                      </p:cBhvr>
+                                      <p:to>
+                                        <p:strVal val="hidden"/>
+                                      </p:to>
+                                    </p:set>
+                                  </p:childTnLst>
+                                </p:cTn>
+                              </p:par>
+                              <p:par>
+                                <p:cTn id="19" presetID="1" presetClass="entr" presetSubtype="0" fill="hold" nodeType="withEffect">
+                                  <p:stCondLst>
+                                    <p:cond delay="0"/>
+                                  </p:stCondLst>
+                                  <p:childTnLst>
+                                    <p:set>
+                                      <p:cBhvr>
+                                        <p:cTn id="20" dur="1" fill="hold">
+                                          <p:stCondLst>
+                                            <p:cond delay="0"/>
+                                          </p:stCondLst>
+                                        </p:cTn>
+                                        <p:tgtEl>
+                                          <p:spTgt spid="13"/>
+                                        </p:tgtEl>
+                                        <p:attrNameLst>
+                                          <p:attrName>style.visibility</p:attrName>
+                                        </p:attrNameLst>
+                                      </p:cBhvr>
+                                      <p:to>
+                                        <p:strVal val="visible"/>
+                                      </p:to>
+                                    </p:set>
+                                  </p:childTnLst>
+                                </p:cTn>
+                              </p:par>
+                            </p:childTnLst>
+                          </p:cTn>
+                        </p:par>
+                      </p:childTnLst>
+                    </p:cTn>
+                  </p:par>
+                  <p:par>
+                    <p:cTn id="21" fill="hold">
+                      <p:stCondLst>
+                        <p:cond delay="indefinite"/>
+                      </p:stCondLst>
+                      <p:childTnLst>
+                        <p:par>
+                          <p:cTn id="22" fill="hold">
+                            <p:stCondLst>
+                              <p:cond delay="0"/>
+                            </p:stCondLst>
+                            <p:childTnLst>
+                              <p:par>
+                                <p:cTn id="23" presetID="1" presetClass="exit" presetSubtype="0" fill="hold" nodeType="clickEffect">
+                                  <p:stCondLst>
+                                    <p:cond delay="0"/>
+                                  </p:stCondLst>
+                                  <p:childTnLst>
+                                    <p:set>
+                                      <p:cBhvr>
+                                        <p:cTn id="24" dur="1" fill="hold">
+                                          <p:stCondLst>
+                                            <p:cond delay="0"/>
+                                          </p:stCondLst>
+                                        </p:cTn>
+                                        <p:tgtEl>
+                                          <p:spTgt spid="13"/>
+                                        </p:tgtEl>
+                                        <p:attrNameLst>
+                                          <p:attrName>style.visibility</p:attrName>
+                                        </p:attrNameLst>
+                                      </p:cBhvr>
+                                      <p:to>
+                                        <p:strVal val="hidden"/>
+                                      </p:to>
+                                    </p:set>
+                                  </p:childTnLst>
+                                </p:cTn>
+                              </p:par>
+                              <p:par>
+                                <p:cTn id="25" presetID="1" presetClass="entr" presetSubtype="0" fill="hold" nodeType="withEffect">
+                                  <p:stCondLst>
+                                    <p:cond delay="0"/>
+                                  </p:stCondLst>
+                                  <p:childTnLst>
+                                    <p:set>
+                                      <p:cBhvr>
+                                        <p:cTn id="26" dur="1" fill="hold">
+                                          <p:stCondLst>
+                                            <p:cond delay="0"/>
+                                          </p:stCondLst>
+                                        </p:cTn>
+                                        <p:tgtEl>
+                                          <p:spTgt spid="14"/>
                                         </p:tgtEl>
                                         <p:attrNameLst>
                                           <p:attrName>style.visibility</p:attrName>

--- a/Présentation projet.pptx
+++ b/Présentation projet.pptx
@@ -245,7 +245,7 @@
           <a:p>
             <a:fld id="{2E062D13-A963-48EC-9FB6-52F9D0C6FB75}" type="datetimeFigureOut">
               <a:rPr lang="fr-FR" smtClean="0"/>
-              <a:t>17/11/2016</a:t>
+              <a:t>18/11/2016</a:t>
             </a:fld>
             <a:endParaRPr lang="fr-FR"/>
           </a:p>
@@ -413,7 +413,7 @@
           <a:p>
             <a:fld id="{2E062D13-A963-48EC-9FB6-52F9D0C6FB75}" type="datetimeFigureOut">
               <a:rPr lang="fr-FR" smtClean="0"/>
-              <a:t>17/11/2016</a:t>
+              <a:t>18/11/2016</a:t>
             </a:fld>
             <a:endParaRPr lang="fr-FR"/>
           </a:p>
@@ -591,7 +591,7 @@
           <a:p>
             <a:fld id="{2E062D13-A963-48EC-9FB6-52F9D0C6FB75}" type="datetimeFigureOut">
               <a:rPr lang="fr-FR" smtClean="0"/>
-              <a:t>17/11/2016</a:t>
+              <a:t>18/11/2016</a:t>
             </a:fld>
             <a:endParaRPr lang="fr-FR"/>
           </a:p>
@@ -759,7 +759,7 @@
           <a:p>
             <a:fld id="{2E062D13-A963-48EC-9FB6-52F9D0C6FB75}" type="datetimeFigureOut">
               <a:rPr lang="fr-FR" smtClean="0"/>
-              <a:t>17/11/2016</a:t>
+              <a:t>18/11/2016</a:t>
             </a:fld>
             <a:endParaRPr lang="fr-FR"/>
           </a:p>
@@ -1004,7 +1004,7 @@
           <a:p>
             <a:fld id="{2E062D13-A963-48EC-9FB6-52F9D0C6FB75}" type="datetimeFigureOut">
               <a:rPr lang="fr-FR" smtClean="0"/>
-              <a:t>17/11/2016</a:t>
+              <a:t>18/11/2016</a:t>
             </a:fld>
             <a:endParaRPr lang="fr-FR"/>
           </a:p>
@@ -1233,7 +1233,7 @@
           <a:p>
             <a:fld id="{2E062D13-A963-48EC-9FB6-52F9D0C6FB75}" type="datetimeFigureOut">
               <a:rPr lang="fr-FR" smtClean="0"/>
-              <a:t>17/11/2016</a:t>
+              <a:t>18/11/2016</a:t>
             </a:fld>
             <a:endParaRPr lang="fr-FR"/>
           </a:p>
@@ -1597,7 +1597,7 @@
           <a:p>
             <a:fld id="{2E062D13-A963-48EC-9FB6-52F9D0C6FB75}" type="datetimeFigureOut">
               <a:rPr lang="fr-FR" smtClean="0"/>
-              <a:t>17/11/2016</a:t>
+              <a:t>18/11/2016</a:t>
             </a:fld>
             <a:endParaRPr lang="fr-FR"/>
           </a:p>
@@ -1714,7 +1714,7 @@
           <a:p>
             <a:fld id="{2E062D13-A963-48EC-9FB6-52F9D0C6FB75}" type="datetimeFigureOut">
               <a:rPr lang="fr-FR" smtClean="0"/>
-              <a:t>17/11/2016</a:t>
+              <a:t>18/11/2016</a:t>
             </a:fld>
             <a:endParaRPr lang="fr-FR"/>
           </a:p>
@@ -1809,7 +1809,7 @@
           <a:p>
             <a:fld id="{2E062D13-A963-48EC-9FB6-52F9D0C6FB75}" type="datetimeFigureOut">
               <a:rPr lang="fr-FR" smtClean="0"/>
-              <a:t>17/11/2016</a:t>
+              <a:t>18/11/2016</a:t>
             </a:fld>
             <a:endParaRPr lang="fr-FR"/>
           </a:p>
@@ -2084,7 +2084,7 @@
           <a:p>
             <a:fld id="{2E062D13-A963-48EC-9FB6-52F9D0C6FB75}" type="datetimeFigureOut">
               <a:rPr lang="fr-FR" smtClean="0"/>
-              <a:t>17/11/2016</a:t>
+              <a:t>18/11/2016</a:t>
             </a:fld>
             <a:endParaRPr lang="fr-FR"/>
           </a:p>
@@ -2336,7 +2336,7 @@
           <a:p>
             <a:fld id="{2E062D13-A963-48EC-9FB6-52F9D0C6FB75}" type="datetimeFigureOut">
               <a:rPr lang="fr-FR" smtClean="0"/>
-              <a:t>17/11/2016</a:t>
+              <a:t>18/11/2016</a:t>
             </a:fld>
             <a:endParaRPr lang="fr-FR"/>
           </a:p>
@@ -2547,7 +2547,7 @@
           <a:p>
             <a:fld id="{2E062D13-A963-48EC-9FB6-52F9D0C6FB75}" type="datetimeFigureOut">
               <a:rPr lang="fr-FR" smtClean="0"/>
-              <a:t>17/11/2016</a:t>
+              <a:t>18/11/2016</a:t>
             </a:fld>
             <a:endParaRPr lang="fr-FR"/>
           </a:p>
@@ -4710,7 +4710,7 @@
       </p:pic>
       <p:pic>
         <p:nvPicPr>
-          <p:cNvPr id="13" name="Image 12"/>
+          <p:cNvPr id="2" name="Image 1"/>
           <p:cNvPicPr>
             <a:picLocks noChangeAspect="1"/>
           </p:cNvPicPr>
@@ -4730,8 +4730,8 @@
         </p:blipFill>
         <p:spPr>
           <a:xfrm>
-            <a:off x="3192965" y="1914954"/>
-            <a:ext cx="5796758" cy="3894520"/>
+            <a:off x="3676204" y="1522936"/>
+            <a:ext cx="4858372" cy="4995080"/>
           </a:xfrm>
           <a:prstGeom prst="rect">
             <a:avLst/>
@@ -4740,7 +4740,7 @@
       </p:pic>
       <p:pic>
         <p:nvPicPr>
-          <p:cNvPr id="14" name="Image 13"/>
+          <p:cNvPr id="11" name="Image 10"/>
           <p:cNvPicPr>
             <a:picLocks noChangeAspect="1"/>
           </p:cNvPicPr>
@@ -4760,8 +4760,8 @@
         </p:blipFill>
         <p:spPr>
           <a:xfrm>
-            <a:off x="3931212" y="1327902"/>
-            <a:ext cx="5067303" cy="5209890"/>
+            <a:off x="3278837" y="1941625"/>
+            <a:ext cx="6241710" cy="4193459"/>
           </a:xfrm>
           <a:prstGeom prst="rect">
             <a:avLst/>
@@ -4983,7 +4983,7 @@
                                           </p:stCondLst>
                                         </p:cTn>
                                         <p:tgtEl>
-                                          <p:spTgt spid="13"/>
+                                          <p:spTgt spid="2"/>
                                         </p:tgtEl>
                                         <p:attrNameLst>
                                           <p:attrName>style.visibility</p:attrName>
@@ -5028,7 +5028,7 @@
                                           </p:stCondLst>
                                         </p:cTn>
                                         <p:tgtEl>
-                                          <p:spTgt spid="13"/>
+                                          <p:spTgt spid="2"/>
                                         </p:tgtEl>
                                         <p:attrNameLst>
                                           <p:attrName>style.visibility</p:attrName>
@@ -5055,7 +5055,7 @@
                                           </p:stCondLst>
                                         </p:cTn>
                                         <p:tgtEl>
-                                          <p:spTgt spid="14"/>
+                                          <p:spTgt spid="11"/>
                                         </p:tgtEl>
                                         <p:attrNameLst>
                                           <p:attrName>style.visibility</p:attrName>

--- a/Présentation projet.pptx
+++ b/Présentation projet.pptx
@@ -4,6 +4,9 @@
   <p:sldMasterIdLst>
     <p:sldMasterId id="2147483648" r:id="rId1"/>
   </p:sldMasterIdLst>
+  <p:notesMasterIdLst>
+    <p:notesMasterId r:id="rId7"/>
+  </p:notesMasterIdLst>
   <p:sldIdLst>
     <p:sldId id="256" r:id="rId2"/>
     <p:sldId id="257" r:id="rId3"/>
@@ -114,6 +117,1050 @@
     </p:ext>
   </p:extLst>
 </p:presentation>
+</file>
+
+<file path=ppt/notesMasters/notesMaster1.xml><?xml version="1.0" encoding="utf-8"?>
+<p:notesMaster xmlns:a="http://schemas.openxmlformats.org/drawingml/2006/main" xmlns:r="http://schemas.openxmlformats.org/officeDocument/2006/relationships" xmlns:p="http://schemas.openxmlformats.org/presentationml/2006/main">
+  <p:cSld>
+    <p:bg>
+      <p:bgRef idx="1001">
+        <a:schemeClr val="bg1"/>
+      </p:bgRef>
+    </p:bg>
+    <p:spTree>
+      <p:nvGrpSpPr>
+        <p:cNvPr id="1" name=""/>
+        <p:cNvGrpSpPr/>
+        <p:nvPr/>
+      </p:nvGrpSpPr>
+      <p:grpSpPr>
+        <a:xfrm>
+          <a:off x="0" y="0"/>
+          <a:ext cx="0" cy="0"/>
+          <a:chOff x="0" y="0"/>
+          <a:chExt cx="0" cy="0"/>
+        </a:xfrm>
+      </p:grpSpPr>
+      <p:sp>
+        <p:nvSpPr>
+          <p:cNvPr id="2" name="Espace réservé de l'en-tête 1"/>
+          <p:cNvSpPr>
+            <a:spLocks noGrp="1"/>
+          </p:cNvSpPr>
+          <p:nvPr>
+            <p:ph type="hdr" sz="quarter"/>
+          </p:nvPr>
+        </p:nvSpPr>
+        <p:spPr>
+          <a:xfrm>
+            <a:off x="0" y="0"/>
+            <a:ext cx="2971800" cy="458788"/>
+          </a:xfrm>
+          <a:prstGeom prst="rect">
+            <a:avLst/>
+          </a:prstGeom>
+        </p:spPr>
+        <p:txBody>
+          <a:bodyPr vert="horz" lIns="91440" tIns="45720" rIns="91440" bIns="45720" rtlCol="0"/>
+          <a:lstStyle>
+            <a:lvl1pPr algn="l">
+              <a:defRPr sz="1200"/>
+            </a:lvl1pPr>
+          </a:lstStyle>
+          <a:p>
+            <a:endParaRPr lang="fr-FR"/>
+          </a:p>
+        </p:txBody>
+      </p:sp>
+      <p:sp>
+        <p:nvSpPr>
+          <p:cNvPr id="3" name="Espace réservé de la date 2"/>
+          <p:cNvSpPr>
+            <a:spLocks noGrp="1"/>
+          </p:cNvSpPr>
+          <p:nvPr>
+            <p:ph type="dt" idx="1"/>
+          </p:nvPr>
+        </p:nvSpPr>
+        <p:spPr>
+          <a:xfrm>
+            <a:off x="3884613" y="0"/>
+            <a:ext cx="2971800" cy="458788"/>
+          </a:xfrm>
+          <a:prstGeom prst="rect">
+            <a:avLst/>
+          </a:prstGeom>
+        </p:spPr>
+        <p:txBody>
+          <a:bodyPr vert="horz" lIns="91440" tIns="45720" rIns="91440" bIns="45720" rtlCol="0"/>
+          <a:lstStyle>
+            <a:lvl1pPr algn="r">
+              <a:defRPr sz="1200"/>
+            </a:lvl1pPr>
+          </a:lstStyle>
+          <a:p>
+            <a:fld id="{BC79A11B-57BF-42A1-8308-470117DE6501}" type="datetimeFigureOut">
+              <a:rPr lang="fr-FR" smtClean="0"/>
+              <a:t>18/11/2016</a:t>
+            </a:fld>
+            <a:endParaRPr lang="fr-FR"/>
+          </a:p>
+        </p:txBody>
+      </p:sp>
+      <p:sp>
+        <p:nvSpPr>
+          <p:cNvPr id="4" name="Espace réservé de l'image des diapositives 3"/>
+          <p:cNvSpPr>
+            <a:spLocks noGrp="1" noRot="1" noChangeAspect="1"/>
+          </p:cNvSpPr>
+          <p:nvPr>
+            <p:ph type="sldImg" idx="2"/>
+          </p:nvPr>
+        </p:nvSpPr>
+        <p:spPr>
+          <a:xfrm>
+            <a:off x="685800" y="1143000"/>
+            <a:ext cx="5486400" cy="3086100"/>
+          </a:xfrm>
+          <a:prstGeom prst="rect">
+            <a:avLst/>
+          </a:prstGeom>
+          <a:noFill/>
+          <a:ln w="12700">
+            <a:solidFill>
+              <a:prstClr val="black"/>
+            </a:solidFill>
+          </a:ln>
+        </p:spPr>
+        <p:txBody>
+          <a:bodyPr vert="horz" lIns="91440" tIns="45720" rIns="91440" bIns="45720" rtlCol="0" anchor="ctr"/>
+          <a:lstStyle/>
+          <a:p>
+            <a:endParaRPr lang="fr-FR"/>
+          </a:p>
+        </p:txBody>
+      </p:sp>
+      <p:sp>
+        <p:nvSpPr>
+          <p:cNvPr id="5" name="Espace réservé des notes 4"/>
+          <p:cNvSpPr>
+            <a:spLocks noGrp="1"/>
+          </p:cNvSpPr>
+          <p:nvPr>
+            <p:ph type="body" sz="quarter" idx="3"/>
+          </p:nvPr>
+        </p:nvSpPr>
+        <p:spPr>
+          <a:xfrm>
+            <a:off x="685800" y="4400550"/>
+            <a:ext cx="5486400" cy="3600450"/>
+          </a:xfrm>
+          <a:prstGeom prst="rect">
+            <a:avLst/>
+          </a:prstGeom>
+        </p:spPr>
+        <p:txBody>
+          <a:bodyPr vert="horz" lIns="91440" tIns="45720" rIns="91440" bIns="45720" rtlCol="0"/>
+          <a:lstStyle/>
+          <a:p>
+            <a:pPr lvl="0"/>
+            <a:r>
+              <a:rPr lang="fr-FR"/>
+              <a:t>Modifier les styles du texte du masque</a:t>
+            </a:r>
+          </a:p>
+          <a:p>
+            <a:pPr lvl="1"/>
+            <a:r>
+              <a:rPr lang="fr-FR"/>
+              <a:t>Deuxième niveau</a:t>
+            </a:r>
+          </a:p>
+          <a:p>
+            <a:pPr lvl="2"/>
+            <a:r>
+              <a:rPr lang="fr-FR"/>
+              <a:t>Troisième niveau</a:t>
+            </a:r>
+          </a:p>
+          <a:p>
+            <a:pPr lvl="3"/>
+            <a:r>
+              <a:rPr lang="fr-FR"/>
+              <a:t>Quatrième niveau</a:t>
+            </a:r>
+          </a:p>
+          <a:p>
+            <a:pPr lvl="4"/>
+            <a:r>
+              <a:rPr lang="fr-FR"/>
+              <a:t>Cinquième niveau</a:t>
+            </a:r>
+            <a:endParaRPr lang="fr-FR"/>
+          </a:p>
+        </p:txBody>
+      </p:sp>
+      <p:sp>
+        <p:nvSpPr>
+          <p:cNvPr id="6" name="Espace réservé du pied de page 5"/>
+          <p:cNvSpPr>
+            <a:spLocks noGrp="1"/>
+          </p:cNvSpPr>
+          <p:nvPr>
+            <p:ph type="ftr" sz="quarter" idx="4"/>
+          </p:nvPr>
+        </p:nvSpPr>
+        <p:spPr>
+          <a:xfrm>
+            <a:off x="0" y="8685213"/>
+            <a:ext cx="2971800" cy="458787"/>
+          </a:xfrm>
+          <a:prstGeom prst="rect">
+            <a:avLst/>
+          </a:prstGeom>
+        </p:spPr>
+        <p:txBody>
+          <a:bodyPr vert="horz" lIns="91440" tIns="45720" rIns="91440" bIns="45720" rtlCol="0" anchor="b"/>
+          <a:lstStyle>
+            <a:lvl1pPr algn="l">
+              <a:defRPr sz="1200"/>
+            </a:lvl1pPr>
+          </a:lstStyle>
+          <a:p>
+            <a:endParaRPr lang="fr-FR"/>
+          </a:p>
+        </p:txBody>
+      </p:sp>
+      <p:sp>
+        <p:nvSpPr>
+          <p:cNvPr id="7" name="Espace réservé du numéro de diapositive 6"/>
+          <p:cNvSpPr>
+            <a:spLocks noGrp="1"/>
+          </p:cNvSpPr>
+          <p:nvPr>
+            <p:ph type="sldNum" sz="quarter" idx="5"/>
+          </p:nvPr>
+        </p:nvSpPr>
+        <p:spPr>
+          <a:xfrm>
+            <a:off x="3884613" y="8685213"/>
+            <a:ext cx="2971800" cy="458787"/>
+          </a:xfrm>
+          <a:prstGeom prst="rect">
+            <a:avLst/>
+          </a:prstGeom>
+        </p:spPr>
+        <p:txBody>
+          <a:bodyPr vert="horz" lIns="91440" tIns="45720" rIns="91440" bIns="45720" rtlCol="0" anchor="b"/>
+          <a:lstStyle>
+            <a:lvl1pPr algn="r">
+              <a:defRPr sz="1200"/>
+            </a:lvl1pPr>
+          </a:lstStyle>
+          <a:p>
+            <a:fld id="{61C5C031-37CD-458F-9DF9-609818514CE8}" type="slidenum">
+              <a:rPr lang="fr-FR" smtClean="0"/>
+              <a:t>‹N°›</a:t>
+            </a:fld>
+            <a:endParaRPr lang="fr-FR"/>
+          </a:p>
+        </p:txBody>
+      </p:sp>
+    </p:spTree>
+    <p:extLst>
+      <p:ext uri="{BB962C8B-B14F-4D97-AF65-F5344CB8AC3E}">
+        <p14:creationId xmlns:p14="http://schemas.microsoft.com/office/powerpoint/2010/main" val="1737782898"/>
+      </p:ext>
+    </p:extLst>
+  </p:cSld>
+  <p:clrMap bg1="lt1" tx1="dk1" bg2="lt2" tx2="dk2" accent1="accent1" accent2="accent2" accent3="accent3" accent4="accent4" accent5="accent5" accent6="accent6" hlink="hlink" folHlink="folHlink"/>
+  <p:notesStyle>
+    <a:lvl1pPr marL="0" algn="l" defTabSz="914400" rtl="0" eaLnBrk="1" latinLnBrk="0" hangingPunct="1">
+      <a:defRPr sz="1200" kern="1200">
+        <a:solidFill>
+          <a:schemeClr val="tx1"/>
+        </a:solidFill>
+        <a:latin typeface="+mn-lt"/>
+        <a:ea typeface="+mn-ea"/>
+        <a:cs typeface="+mn-cs"/>
+      </a:defRPr>
+    </a:lvl1pPr>
+    <a:lvl2pPr marL="457200" algn="l" defTabSz="914400" rtl="0" eaLnBrk="1" latinLnBrk="0" hangingPunct="1">
+      <a:defRPr sz="1200" kern="1200">
+        <a:solidFill>
+          <a:schemeClr val="tx1"/>
+        </a:solidFill>
+        <a:latin typeface="+mn-lt"/>
+        <a:ea typeface="+mn-ea"/>
+        <a:cs typeface="+mn-cs"/>
+      </a:defRPr>
+    </a:lvl2pPr>
+    <a:lvl3pPr marL="914400" algn="l" defTabSz="914400" rtl="0" eaLnBrk="1" latinLnBrk="0" hangingPunct="1">
+      <a:defRPr sz="1200" kern="1200">
+        <a:solidFill>
+          <a:schemeClr val="tx1"/>
+        </a:solidFill>
+        <a:latin typeface="+mn-lt"/>
+        <a:ea typeface="+mn-ea"/>
+        <a:cs typeface="+mn-cs"/>
+      </a:defRPr>
+    </a:lvl3pPr>
+    <a:lvl4pPr marL="1371600" algn="l" defTabSz="914400" rtl="0" eaLnBrk="1" latinLnBrk="0" hangingPunct="1">
+      <a:defRPr sz="1200" kern="1200">
+        <a:solidFill>
+          <a:schemeClr val="tx1"/>
+        </a:solidFill>
+        <a:latin typeface="+mn-lt"/>
+        <a:ea typeface="+mn-ea"/>
+        <a:cs typeface="+mn-cs"/>
+      </a:defRPr>
+    </a:lvl4pPr>
+    <a:lvl5pPr marL="1828800" algn="l" defTabSz="914400" rtl="0" eaLnBrk="1" latinLnBrk="0" hangingPunct="1">
+      <a:defRPr sz="1200" kern="1200">
+        <a:solidFill>
+          <a:schemeClr val="tx1"/>
+        </a:solidFill>
+        <a:latin typeface="+mn-lt"/>
+        <a:ea typeface="+mn-ea"/>
+        <a:cs typeface="+mn-cs"/>
+      </a:defRPr>
+    </a:lvl5pPr>
+    <a:lvl6pPr marL="2286000" algn="l" defTabSz="914400" rtl="0" eaLnBrk="1" latinLnBrk="0" hangingPunct="1">
+      <a:defRPr sz="1200" kern="1200">
+        <a:solidFill>
+          <a:schemeClr val="tx1"/>
+        </a:solidFill>
+        <a:latin typeface="+mn-lt"/>
+        <a:ea typeface="+mn-ea"/>
+        <a:cs typeface="+mn-cs"/>
+      </a:defRPr>
+    </a:lvl6pPr>
+    <a:lvl7pPr marL="2743200" algn="l" defTabSz="914400" rtl="0" eaLnBrk="1" latinLnBrk="0" hangingPunct="1">
+      <a:defRPr sz="1200" kern="1200">
+        <a:solidFill>
+          <a:schemeClr val="tx1"/>
+        </a:solidFill>
+        <a:latin typeface="+mn-lt"/>
+        <a:ea typeface="+mn-ea"/>
+        <a:cs typeface="+mn-cs"/>
+      </a:defRPr>
+    </a:lvl7pPr>
+    <a:lvl8pPr marL="3200400" algn="l" defTabSz="914400" rtl="0" eaLnBrk="1" latinLnBrk="0" hangingPunct="1">
+      <a:defRPr sz="1200" kern="1200">
+        <a:solidFill>
+          <a:schemeClr val="tx1"/>
+        </a:solidFill>
+        <a:latin typeface="+mn-lt"/>
+        <a:ea typeface="+mn-ea"/>
+        <a:cs typeface="+mn-cs"/>
+      </a:defRPr>
+    </a:lvl8pPr>
+    <a:lvl9pPr marL="3657600" algn="l" defTabSz="914400" rtl="0" eaLnBrk="1" latinLnBrk="0" hangingPunct="1">
+      <a:defRPr sz="1200" kern="1200">
+        <a:solidFill>
+          <a:schemeClr val="tx1"/>
+        </a:solidFill>
+        <a:latin typeface="+mn-lt"/>
+        <a:ea typeface="+mn-ea"/>
+        <a:cs typeface="+mn-cs"/>
+      </a:defRPr>
+    </a:lvl9pPr>
+  </p:notesStyle>
+</p:notesMaster>
+</file>
+
+<file path=ppt/notesSlides/notesSlide1.xml><?xml version="1.0" encoding="utf-8"?>
+<p:notes xmlns:a="http://schemas.openxmlformats.org/drawingml/2006/main" xmlns:r="http://schemas.openxmlformats.org/officeDocument/2006/relationships" xmlns:p="http://schemas.openxmlformats.org/presentationml/2006/main">
+  <p:cSld>
+    <p:spTree>
+      <p:nvGrpSpPr>
+        <p:cNvPr id="1" name=""/>
+        <p:cNvGrpSpPr/>
+        <p:nvPr/>
+      </p:nvGrpSpPr>
+      <p:grpSpPr>
+        <a:xfrm>
+          <a:off x="0" y="0"/>
+          <a:ext cx="0" cy="0"/>
+          <a:chOff x="0" y="0"/>
+          <a:chExt cx="0" cy="0"/>
+        </a:xfrm>
+      </p:grpSpPr>
+      <p:sp>
+        <p:nvSpPr>
+          <p:cNvPr id="2" name="Espace réservé de l'image des diapositives 1"/>
+          <p:cNvSpPr>
+            <a:spLocks noGrp="1" noRot="1" noChangeAspect="1"/>
+          </p:cNvSpPr>
+          <p:nvPr>
+            <p:ph type="sldImg"/>
+          </p:nvPr>
+        </p:nvSpPr>
+        <p:spPr/>
+      </p:sp>
+      <p:sp>
+        <p:nvSpPr>
+          <p:cNvPr id="3" name="Espace réservé des notes 2"/>
+          <p:cNvSpPr>
+            <a:spLocks noGrp="1"/>
+          </p:cNvSpPr>
+          <p:nvPr>
+            <p:ph type="body" idx="1"/>
+          </p:nvPr>
+        </p:nvSpPr>
+        <p:spPr/>
+        <p:txBody>
+          <a:bodyPr/>
+          <a:lstStyle/>
+          <a:p>
+            <a:pPr lvl="0"/>
+            <a:r>
+              <a:rPr lang="fr-FR" sz="1200" kern="1200" dirty="0">
+                <a:solidFill>
+                  <a:schemeClr val="tx1"/>
+                </a:solidFill>
+                <a:effectLst/>
+                <a:latin typeface="+mn-lt"/>
+                <a:ea typeface="+mn-ea"/>
+                <a:cs typeface="+mn-cs"/>
+              </a:rPr>
+              <a:t>Loïck : Présentation du groupe, Répartition</a:t>
+            </a:r>
+            <a:r>
+              <a:rPr lang="fr-FR" sz="1200" kern="1200" baseline="0" dirty="0">
+                <a:solidFill>
+                  <a:schemeClr val="tx1"/>
+                </a:solidFill>
+                <a:effectLst/>
+                <a:latin typeface="+mn-lt"/>
+                <a:ea typeface="+mn-ea"/>
+                <a:cs typeface="+mn-cs"/>
+              </a:rPr>
+              <a:t> du travail</a:t>
+            </a:r>
+            <a:endParaRPr lang="fr-FR" sz="1200" kern="1200" dirty="0">
+              <a:solidFill>
+                <a:schemeClr val="tx1"/>
+              </a:solidFill>
+              <a:effectLst/>
+              <a:latin typeface="+mn-lt"/>
+              <a:ea typeface="+mn-ea"/>
+              <a:cs typeface="+mn-cs"/>
+            </a:endParaRPr>
+          </a:p>
+          <a:p>
+            <a:pPr lvl="0"/>
+            <a:r>
+              <a:rPr lang="fr-FR" sz="1200" kern="1200" dirty="0" err="1">
+                <a:solidFill>
+                  <a:schemeClr val="tx1"/>
+                </a:solidFill>
+                <a:effectLst/>
+                <a:latin typeface="+mn-lt"/>
+                <a:ea typeface="+mn-ea"/>
+                <a:cs typeface="+mn-cs"/>
+              </a:rPr>
+              <a:t>Matthis</a:t>
+            </a:r>
+            <a:r>
+              <a:rPr lang="fr-FR" sz="1200" kern="1200" dirty="0">
+                <a:solidFill>
+                  <a:schemeClr val="tx1"/>
+                </a:solidFill>
+                <a:effectLst/>
+                <a:latin typeface="+mn-lt"/>
+                <a:ea typeface="+mn-ea"/>
+                <a:cs typeface="+mn-cs"/>
+              </a:rPr>
+              <a:t> : Présentation du projet</a:t>
+            </a:r>
+          </a:p>
+        </p:txBody>
+      </p:sp>
+      <p:sp>
+        <p:nvSpPr>
+          <p:cNvPr id="4" name="Espace réservé du numéro de diapositive 3"/>
+          <p:cNvSpPr>
+            <a:spLocks noGrp="1"/>
+          </p:cNvSpPr>
+          <p:nvPr>
+            <p:ph type="sldNum" sz="quarter" idx="10"/>
+          </p:nvPr>
+        </p:nvSpPr>
+        <p:spPr/>
+        <p:txBody>
+          <a:bodyPr/>
+          <a:lstStyle/>
+          <a:p>
+            <a:fld id="{61C5C031-37CD-458F-9DF9-609818514CE8}" type="slidenum">
+              <a:rPr lang="fr-FR" smtClean="0"/>
+              <a:t>1</a:t>
+            </a:fld>
+            <a:endParaRPr lang="fr-FR"/>
+          </a:p>
+        </p:txBody>
+      </p:sp>
+    </p:spTree>
+    <p:extLst>
+      <p:ext uri="{BB962C8B-B14F-4D97-AF65-F5344CB8AC3E}">
+        <p14:creationId xmlns:p14="http://schemas.microsoft.com/office/powerpoint/2010/main" val="986287659"/>
+      </p:ext>
+    </p:extLst>
+  </p:cSld>
+  <p:clrMapOvr>
+    <a:masterClrMapping/>
+  </p:clrMapOvr>
+</p:notes>
+</file>
+
+<file path=ppt/notesSlides/notesSlide2.xml><?xml version="1.0" encoding="utf-8"?>
+<p:notes xmlns:a="http://schemas.openxmlformats.org/drawingml/2006/main" xmlns:r="http://schemas.openxmlformats.org/officeDocument/2006/relationships" xmlns:p="http://schemas.openxmlformats.org/presentationml/2006/main">
+  <p:cSld>
+    <p:spTree>
+      <p:nvGrpSpPr>
+        <p:cNvPr id="1" name=""/>
+        <p:cNvGrpSpPr/>
+        <p:nvPr/>
+      </p:nvGrpSpPr>
+      <p:grpSpPr>
+        <a:xfrm>
+          <a:off x="0" y="0"/>
+          <a:ext cx="0" cy="0"/>
+          <a:chOff x="0" y="0"/>
+          <a:chExt cx="0" cy="0"/>
+        </a:xfrm>
+      </p:grpSpPr>
+      <p:sp>
+        <p:nvSpPr>
+          <p:cNvPr id="2" name="Espace réservé de l'image des diapositives 1"/>
+          <p:cNvSpPr>
+            <a:spLocks noGrp="1" noRot="1" noChangeAspect="1"/>
+          </p:cNvSpPr>
+          <p:nvPr>
+            <p:ph type="sldImg"/>
+          </p:nvPr>
+        </p:nvSpPr>
+        <p:spPr/>
+      </p:sp>
+      <p:sp>
+        <p:nvSpPr>
+          <p:cNvPr id="3" name="Espace réservé des notes 2"/>
+          <p:cNvSpPr>
+            <a:spLocks noGrp="1"/>
+          </p:cNvSpPr>
+          <p:nvPr>
+            <p:ph type="body" idx="1"/>
+          </p:nvPr>
+        </p:nvSpPr>
+        <p:spPr/>
+        <p:txBody>
+          <a:bodyPr/>
+          <a:lstStyle/>
+          <a:p>
+            <a:pPr lvl="0"/>
+            <a:r>
+              <a:rPr lang="fr-FR" sz="1200" kern="1200" dirty="0">
+                <a:solidFill>
+                  <a:schemeClr val="tx1"/>
+                </a:solidFill>
+                <a:effectLst/>
+                <a:latin typeface="+mn-lt"/>
+                <a:ea typeface="+mn-ea"/>
+                <a:cs typeface="+mn-cs"/>
+              </a:rPr>
+              <a:t>Hugo : 1ere image : Présenter l’expérience 1, les consignes.</a:t>
+            </a:r>
+          </a:p>
+          <a:p>
+            <a:pPr lvl="0"/>
+            <a:r>
+              <a:rPr lang="fr-FR" sz="1200" kern="1200" dirty="0" err="1">
+                <a:solidFill>
+                  <a:schemeClr val="tx1"/>
+                </a:solidFill>
+                <a:effectLst/>
+                <a:latin typeface="+mn-lt"/>
+                <a:ea typeface="+mn-ea"/>
+                <a:cs typeface="+mn-cs"/>
+              </a:rPr>
+              <a:t>Matthis</a:t>
+            </a:r>
+            <a:r>
+              <a:rPr lang="fr-FR" sz="1200" kern="1200" dirty="0">
+                <a:solidFill>
+                  <a:schemeClr val="tx1"/>
+                </a:solidFill>
+                <a:effectLst/>
+                <a:latin typeface="+mn-lt"/>
+                <a:ea typeface="+mn-ea"/>
+                <a:cs typeface="+mn-cs"/>
+              </a:rPr>
+              <a:t> : 2eme image : Expliquer l’expérience qu’on a mené, comment on s’est organisés</a:t>
+            </a:r>
+          </a:p>
+          <a:p>
+            <a:pPr lvl="0"/>
+            <a:r>
+              <a:rPr lang="fr-FR" sz="1200" kern="1200" dirty="0">
+                <a:solidFill>
+                  <a:schemeClr val="tx1"/>
+                </a:solidFill>
+                <a:effectLst/>
+                <a:latin typeface="+mn-lt"/>
+                <a:ea typeface="+mn-ea"/>
+                <a:cs typeface="+mn-cs"/>
+              </a:rPr>
+              <a:t>Florentin : 3eme et 4eme images : Présenter les résultats</a:t>
+            </a:r>
+          </a:p>
+        </p:txBody>
+      </p:sp>
+      <p:sp>
+        <p:nvSpPr>
+          <p:cNvPr id="4" name="Espace réservé du numéro de diapositive 3"/>
+          <p:cNvSpPr>
+            <a:spLocks noGrp="1"/>
+          </p:cNvSpPr>
+          <p:nvPr>
+            <p:ph type="sldNum" sz="quarter" idx="10"/>
+          </p:nvPr>
+        </p:nvSpPr>
+        <p:spPr/>
+        <p:txBody>
+          <a:bodyPr/>
+          <a:lstStyle/>
+          <a:p>
+            <a:fld id="{61C5C031-37CD-458F-9DF9-609818514CE8}" type="slidenum">
+              <a:rPr lang="fr-FR" smtClean="0"/>
+              <a:t>2</a:t>
+            </a:fld>
+            <a:endParaRPr lang="fr-FR"/>
+          </a:p>
+        </p:txBody>
+      </p:sp>
+    </p:spTree>
+    <p:extLst>
+      <p:ext uri="{BB962C8B-B14F-4D97-AF65-F5344CB8AC3E}">
+        <p14:creationId xmlns:p14="http://schemas.microsoft.com/office/powerpoint/2010/main" val="2209792079"/>
+      </p:ext>
+    </p:extLst>
+  </p:cSld>
+  <p:clrMapOvr>
+    <a:masterClrMapping/>
+  </p:clrMapOvr>
+</p:notes>
+</file>
+
+<file path=ppt/notesSlides/notesSlide3.xml><?xml version="1.0" encoding="utf-8"?>
+<p:notes xmlns:a="http://schemas.openxmlformats.org/drawingml/2006/main" xmlns:r="http://schemas.openxmlformats.org/officeDocument/2006/relationships" xmlns:p="http://schemas.openxmlformats.org/presentationml/2006/main">
+  <p:cSld>
+    <p:spTree>
+      <p:nvGrpSpPr>
+        <p:cNvPr id="1" name=""/>
+        <p:cNvGrpSpPr/>
+        <p:nvPr/>
+      </p:nvGrpSpPr>
+      <p:grpSpPr>
+        <a:xfrm>
+          <a:off x="0" y="0"/>
+          <a:ext cx="0" cy="0"/>
+          <a:chOff x="0" y="0"/>
+          <a:chExt cx="0" cy="0"/>
+        </a:xfrm>
+      </p:grpSpPr>
+      <p:sp>
+        <p:nvSpPr>
+          <p:cNvPr id="2" name="Espace réservé de l'image des diapositives 1"/>
+          <p:cNvSpPr>
+            <a:spLocks noGrp="1" noRot="1" noChangeAspect="1"/>
+          </p:cNvSpPr>
+          <p:nvPr>
+            <p:ph type="sldImg"/>
+          </p:nvPr>
+        </p:nvSpPr>
+        <p:spPr/>
+      </p:sp>
+      <p:sp>
+        <p:nvSpPr>
+          <p:cNvPr id="3" name="Espace réservé des notes 2"/>
+          <p:cNvSpPr>
+            <a:spLocks noGrp="1"/>
+          </p:cNvSpPr>
+          <p:nvPr>
+            <p:ph type="body" idx="1"/>
+          </p:nvPr>
+        </p:nvSpPr>
+        <p:spPr/>
+        <p:txBody>
+          <a:bodyPr/>
+          <a:lstStyle/>
+          <a:p>
+            <a:pPr lvl="0"/>
+            <a:r>
+              <a:rPr lang="fr-FR" sz="1200" kern="1200" dirty="0">
+                <a:solidFill>
+                  <a:schemeClr val="tx1"/>
+                </a:solidFill>
+                <a:effectLst/>
+                <a:latin typeface="+mn-lt"/>
+                <a:ea typeface="+mn-ea"/>
+                <a:cs typeface="+mn-cs"/>
+              </a:rPr>
+              <a:t>Hugo : 1ere image : Présenter l’expérience 2, les consignes</a:t>
+            </a:r>
+          </a:p>
+          <a:p>
+            <a:r>
+              <a:rPr lang="fr-FR" sz="1200" kern="1200" dirty="0">
+                <a:solidFill>
+                  <a:schemeClr val="tx1"/>
+                </a:solidFill>
+                <a:effectLst/>
+                <a:latin typeface="+mn-lt"/>
+                <a:ea typeface="+mn-ea"/>
+                <a:cs typeface="+mn-cs"/>
+              </a:rPr>
+              <a:t>   	   Expliquer pourquoi il nous a été impossible de la réaliser</a:t>
+            </a:r>
+          </a:p>
+          <a:p>
+            <a:endParaRPr lang="fr-FR" dirty="0"/>
+          </a:p>
+        </p:txBody>
+      </p:sp>
+      <p:sp>
+        <p:nvSpPr>
+          <p:cNvPr id="4" name="Espace réservé du numéro de diapositive 3"/>
+          <p:cNvSpPr>
+            <a:spLocks noGrp="1"/>
+          </p:cNvSpPr>
+          <p:nvPr>
+            <p:ph type="sldNum" sz="quarter" idx="10"/>
+          </p:nvPr>
+        </p:nvSpPr>
+        <p:spPr/>
+        <p:txBody>
+          <a:bodyPr/>
+          <a:lstStyle/>
+          <a:p>
+            <a:fld id="{61C5C031-37CD-458F-9DF9-609818514CE8}" type="slidenum">
+              <a:rPr lang="fr-FR" smtClean="0"/>
+              <a:t>3</a:t>
+            </a:fld>
+            <a:endParaRPr lang="fr-FR"/>
+          </a:p>
+        </p:txBody>
+      </p:sp>
+    </p:spTree>
+    <p:extLst>
+      <p:ext uri="{BB962C8B-B14F-4D97-AF65-F5344CB8AC3E}">
+        <p14:creationId xmlns:p14="http://schemas.microsoft.com/office/powerpoint/2010/main" val="2460379829"/>
+      </p:ext>
+    </p:extLst>
+  </p:cSld>
+  <p:clrMapOvr>
+    <a:masterClrMapping/>
+  </p:clrMapOvr>
+</p:notes>
+</file>
+
+<file path=ppt/notesSlides/notesSlide4.xml><?xml version="1.0" encoding="utf-8"?>
+<p:notes xmlns:a="http://schemas.openxmlformats.org/drawingml/2006/main" xmlns:r="http://schemas.openxmlformats.org/officeDocument/2006/relationships" xmlns:p="http://schemas.openxmlformats.org/presentationml/2006/main">
+  <p:cSld>
+    <p:spTree>
+      <p:nvGrpSpPr>
+        <p:cNvPr id="1" name=""/>
+        <p:cNvGrpSpPr/>
+        <p:nvPr/>
+      </p:nvGrpSpPr>
+      <p:grpSpPr>
+        <a:xfrm>
+          <a:off x="0" y="0"/>
+          <a:ext cx="0" cy="0"/>
+          <a:chOff x="0" y="0"/>
+          <a:chExt cx="0" cy="0"/>
+        </a:xfrm>
+      </p:grpSpPr>
+      <p:sp>
+        <p:nvSpPr>
+          <p:cNvPr id="2" name="Espace réservé de l'image des diapositives 1"/>
+          <p:cNvSpPr>
+            <a:spLocks noGrp="1" noRot="1" noChangeAspect="1"/>
+          </p:cNvSpPr>
+          <p:nvPr>
+            <p:ph type="sldImg"/>
+          </p:nvPr>
+        </p:nvSpPr>
+        <p:spPr/>
+      </p:sp>
+      <p:sp>
+        <p:nvSpPr>
+          <p:cNvPr id="3" name="Espace réservé des notes 2"/>
+          <p:cNvSpPr>
+            <a:spLocks noGrp="1"/>
+          </p:cNvSpPr>
+          <p:nvPr>
+            <p:ph type="body" idx="1"/>
+          </p:nvPr>
+        </p:nvSpPr>
+        <p:spPr/>
+        <p:txBody>
+          <a:bodyPr/>
+          <a:lstStyle/>
+          <a:p>
+            <a:pPr lvl="0"/>
+            <a:r>
+              <a:rPr lang="fr-FR" sz="1200" kern="1200" dirty="0">
+                <a:solidFill>
+                  <a:schemeClr val="tx1"/>
+                </a:solidFill>
+                <a:effectLst/>
+                <a:latin typeface="+mn-lt"/>
+                <a:ea typeface="+mn-ea"/>
+                <a:cs typeface="+mn-cs"/>
+              </a:rPr>
+              <a:t>Florentin : 1ere image : présentation du circuit réalisé</a:t>
+            </a:r>
+          </a:p>
+          <a:p>
+            <a:pPr lvl="0"/>
+            <a:r>
+              <a:rPr lang="fr-FR" sz="1200" kern="1200" dirty="0">
+                <a:solidFill>
+                  <a:schemeClr val="tx1"/>
+                </a:solidFill>
+                <a:effectLst/>
+                <a:latin typeface="+mn-lt"/>
+                <a:ea typeface="+mn-ea"/>
+                <a:cs typeface="+mn-cs"/>
+              </a:rPr>
+              <a:t>Florentin : 2eme image : présentation du schéma </a:t>
+            </a:r>
+            <a:r>
+              <a:rPr lang="fr-FR" sz="1200" kern="1200" dirty="0" err="1">
+                <a:solidFill>
+                  <a:schemeClr val="tx1"/>
+                </a:solidFill>
+                <a:effectLst/>
+                <a:latin typeface="+mn-lt"/>
+                <a:ea typeface="+mn-ea"/>
+                <a:cs typeface="+mn-cs"/>
+              </a:rPr>
+              <a:t>Fritzing</a:t>
+            </a:r>
+            <a:endParaRPr lang="fr-FR" sz="1200" kern="1200" dirty="0">
+              <a:solidFill>
+                <a:schemeClr val="tx1"/>
+              </a:solidFill>
+              <a:effectLst/>
+              <a:latin typeface="+mn-lt"/>
+              <a:ea typeface="+mn-ea"/>
+              <a:cs typeface="+mn-cs"/>
+            </a:endParaRPr>
+          </a:p>
+          <a:p>
+            <a:pPr lvl="0"/>
+            <a:r>
+              <a:rPr lang="fr-FR" sz="1200" kern="1200" dirty="0" err="1">
+                <a:solidFill>
+                  <a:schemeClr val="tx1"/>
+                </a:solidFill>
+                <a:effectLst/>
+                <a:latin typeface="+mn-lt"/>
+                <a:ea typeface="+mn-ea"/>
+                <a:cs typeface="+mn-cs"/>
+              </a:rPr>
+              <a:t>Matthis</a:t>
+            </a:r>
+            <a:r>
+              <a:rPr lang="fr-FR" sz="1200" kern="1200" dirty="0">
+                <a:solidFill>
+                  <a:schemeClr val="tx1"/>
+                </a:solidFill>
+                <a:effectLst/>
+                <a:latin typeface="+mn-lt"/>
+                <a:ea typeface="+mn-ea"/>
+                <a:cs typeface="+mn-cs"/>
+              </a:rPr>
+              <a:t> : 3eme image : présentation du prototype et réalisation de la démonstration</a:t>
+            </a:r>
+          </a:p>
+          <a:p>
+            <a:pPr lvl="0"/>
+            <a:r>
+              <a:rPr lang="fr-FR" sz="1200" kern="1200" dirty="0">
+                <a:solidFill>
+                  <a:schemeClr val="tx1"/>
+                </a:solidFill>
+                <a:effectLst/>
+                <a:latin typeface="+mn-lt"/>
+                <a:ea typeface="+mn-ea"/>
+                <a:cs typeface="+mn-cs"/>
+              </a:rPr>
+              <a:t>Loïck : 4eme image : Code Arduino 1ere partie</a:t>
+            </a:r>
+          </a:p>
+          <a:p>
+            <a:pPr lvl="0"/>
+            <a:r>
+              <a:rPr lang="fr-FR" sz="1200" kern="1200" dirty="0">
+                <a:solidFill>
+                  <a:schemeClr val="tx1"/>
+                </a:solidFill>
+                <a:effectLst/>
+                <a:latin typeface="+mn-lt"/>
+                <a:ea typeface="+mn-ea"/>
+                <a:cs typeface="+mn-cs"/>
+              </a:rPr>
+              <a:t>Loïck : 5eme image : Code Arduino 2emepartie</a:t>
+            </a:r>
+          </a:p>
+        </p:txBody>
+      </p:sp>
+      <p:sp>
+        <p:nvSpPr>
+          <p:cNvPr id="4" name="Espace réservé du numéro de diapositive 3"/>
+          <p:cNvSpPr>
+            <a:spLocks noGrp="1"/>
+          </p:cNvSpPr>
+          <p:nvPr>
+            <p:ph type="sldNum" sz="quarter" idx="10"/>
+          </p:nvPr>
+        </p:nvSpPr>
+        <p:spPr/>
+        <p:txBody>
+          <a:bodyPr/>
+          <a:lstStyle/>
+          <a:p>
+            <a:fld id="{61C5C031-37CD-458F-9DF9-609818514CE8}" type="slidenum">
+              <a:rPr lang="fr-FR" smtClean="0"/>
+              <a:t>4</a:t>
+            </a:fld>
+            <a:endParaRPr lang="fr-FR"/>
+          </a:p>
+        </p:txBody>
+      </p:sp>
+    </p:spTree>
+    <p:extLst>
+      <p:ext uri="{BB962C8B-B14F-4D97-AF65-F5344CB8AC3E}">
+        <p14:creationId xmlns:p14="http://schemas.microsoft.com/office/powerpoint/2010/main" val="4237062366"/>
+      </p:ext>
+    </p:extLst>
+  </p:cSld>
+  <p:clrMapOvr>
+    <a:masterClrMapping/>
+  </p:clrMapOvr>
+</p:notes>
+</file>
+
+<file path=ppt/notesSlides/notesSlide5.xml><?xml version="1.0" encoding="utf-8"?>
+<p:notes xmlns:a="http://schemas.openxmlformats.org/drawingml/2006/main" xmlns:r="http://schemas.openxmlformats.org/officeDocument/2006/relationships" xmlns:p="http://schemas.openxmlformats.org/presentationml/2006/main">
+  <p:cSld>
+    <p:spTree>
+      <p:nvGrpSpPr>
+        <p:cNvPr id="1" name=""/>
+        <p:cNvGrpSpPr/>
+        <p:nvPr/>
+      </p:nvGrpSpPr>
+      <p:grpSpPr>
+        <a:xfrm>
+          <a:off x="0" y="0"/>
+          <a:ext cx="0" cy="0"/>
+          <a:chOff x="0" y="0"/>
+          <a:chExt cx="0" cy="0"/>
+        </a:xfrm>
+      </p:grpSpPr>
+      <p:sp>
+        <p:nvSpPr>
+          <p:cNvPr id="2" name="Espace réservé de l'image des diapositives 1"/>
+          <p:cNvSpPr>
+            <a:spLocks noGrp="1" noRot="1" noChangeAspect="1"/>
+          </p:cNvSpPr>
+          <p:nvPr>
+            <p:ph type="sldImg"/>
+          </p:nvPr>
+        </p:nvSpPr>
+        <p:spPr/>
+      </p:sp>
+      <p:sp>
+        <p:nvSpPr>
+          <p:cNvPr id="3" name="Espace réservé des notes 2"/>
+          <p:cNvSpPr>
+            <a:spLocks noGrp="1"/>
+          </p:cNvSpPr>
+          <p:nvPr>
+            <p:ph type="body" idx="1"/>
+          </p:nvPr>
+        </p:nvSpPr>
+        <p:spPr/>
+        <p:txBody>
+          <a:bodyPr/>
+          <a:lstStyle/>
+          <a:p>
+            <a:pPr lvl="0"/>
+            <a:r>
+              <a:rPr lang="fr-FR" sz="1200" kern="1200" dirty="0">
+                <a:solidFill>
+                  <a:schemeClr val="tx1"/>
+                </a:solidFill>
+                <a:effectLst/>
+                <a:latin typeface="+mn-lt"/>
+                <a:ea typeface="+mn-ea"/>
+                <a:cs typeface="+mn-cs"/>
+              </a:rPr>
+              <a:t>Hugo : 1ere image : Bilan du projet</a:t>
+            </a:r>
+          </a:p>
+          <a:p>
+            <a:r>
+              <a:rPr lang="fr-FR" sz="1200" kern="1200" dirty="0">
+                <a:solidFill>
+                  <a:schemeClr val="tx1"/>
+                </a:solidFill>
+                <a:effectLst/>
+                <a:latin typeface="+mn-lt"/>
+                <a:ea typeface="+mn-ea"/>
+                <a:cs typeface="+mn-cs"/>
+              </a:rPr>
+              <a:t>    (Remerciements)</a:t>
+            </a:r>
+          </a:p>
+        </p:txBody>
+      </p:sp>
+      <p:sp>
+        <p:nvSpPr>
+          <p:cNvPr id="4" name="Espace réservé du numéro de diapositive 3"/>
+          <p:cNvSpPr>
+            <a:spLocks noGrp="1"/>
+          </p:cNvSpPr>
+          <p:nvPr>
+            <p:ph type="sldNum" sz="quarter" idx="10"/>
+          </p:nvPr>
+        </p:nvSpPr>
+        <p:spPr/>
+        <p:txBody>
+          <a:bodyPr/>
+          <a:lstStyle/>
+          <a:p>
+            <a:fld id="{61C5C031-37CD-458F-9DF9-609818514CE8}" type="slidenum">
+              <a:rPr lang="fr-FR" smtClean="0"/>
+              <a:t>5</a:t>
+            </a:fld>
+            <a:endParaRPr lang="fr-FR"/>
+          </a:p>
+        </p:txBody>
+      </p:sp>
+    </p:spTree>
+    <p:extLst>
+      <p:ext uri="{BB962C8B-B14F-4D97-AF65-F5344CB8AC3E}">
+        <p14:creationId xmlns:p14="http://schemas.microsoft.com/office/powerpoint/2010/main" val="1292960334"/>
+      </p:ext>
+    </p:extLst>
+  </p:cSld>
+  <p:clrMapOvr>
+    <a:masterClrMapping/>
+  </p:clrMapOvr>
+</p:notes>
 </file>
 
 <file path=ppt/slideLayouts/slideLayout1.xml><?xml version="1.0" encoding="utf-8"?>
@@ -3145,7 +4192,7 @@
           <p:nvPr/>
         </p:nvPicPr>
         <p:blipFill>
-          <a:blip r:embed="rId2" cstate="print">
+          <a:blip r:embed="rId3" cstate="print">
             <a:extLst>
               <a:ext uri="{28A0092B-C50C-407E-A947-70E740481C1C}">
                 <a14:useLocalDpi xmlns:a14="http://schemas.microsoft.com/office/drawing/2010/main" val="0"/>
@@ -3208,7 +4255,7 @@
           <p:nvPr/>
         </p:nvPicPr>
         <p:blipFill>
-          <a:blip r:embed="rId3">
+          <a:blip r:embed="rId4">
             <a:extLst>
               <a:ext uri="{28A0092B-C50C-407E-A947-70E740481C1C}">
                 <a14:useLocalDpi xmlns:a14="http://schemas.microsoft.com/office/drawing/2010/main" val="0"/>
@@ -3383,7 +4430,7 @@
           <p:nvPr/>
         </p:nvPicPr>
         <p:blipFill>
-          <a:blip r:embed="rId2" cstate="print">
+          <a:blip r:embed="rId3" cstate="print">
             <a:extLst>
               <a:ext uri="{28A0092B-C50C-407E-A947-70E740481C1C}">
                 <a14:useLocalDpi xmlns:a14="http://schemas.microsoft.com/office/drawing/2010/main" val="0"/>
@@ -3569,7 +4616,7 @@
           <p:nvPr/>
         </p:nvPicPr>
         <p:blipFill>
-          <a:blip r:embed="rId3">
+          <a:blip r:embed="rId4">
             <a:extLst>
               <a:ext uri="{28A0092B-C50C-407E-A947-70E740481C1C}">
                 <a14:useLocalDpi xmlns:a14="http://schemas.microsoft.com/office/drawing/2010/main" val="0"/>
@@ -3599,7 +4646,7 @@
           <p:nvPr/>
         </p:nvPicPr>
         <p:blipFill>
-          <a:blip r:embed="rId4">
+          <a:blip r:embed="rId5">
             <a:extLst>
               <a:ext uri="{28A0092B-C50C-407E-A947-70E740481C1C}">
                 <a14:useLocalDpi xmlns:a14="http://schemas.microsoft.com/office/drawing/2010/main" val="0"/>
@@ -3629,7 +4676,7 @@
           <p:nvPr/>
         </p:nvPicPr>
         <p:blipFill>
-          <a:blip r:embed="rId5">
+          <a:blip r:embed="rId6">
             <a:extLst>
               <a:ext uri="{28A0092B-C50C-407E-A947-70E740481C1C}">
                 <a14:useLocalDpi xmlns:a14="http://schemas.microsoft.com/office/drawing/2010/main" val="0"/>
@@ -3659,7 +4706,7 @@
           <p:nvPr/>
         </p:nvPicPr>
         <p:blipFill>
-          <a:blip r:embed="rId6">
+          <a:blip r:embed="rId7">
             <a:extLst>
               <a:ext uri="{28A0092B-C50C-407E-A947-70E740481C1C}">
                 <a14:useLocalDpi xmlns:a14="http://schemas.microsoft.com/office/drawing/2010/main" val="0"/>
@@ -4080,7 +5127,7 @@
           <p:nvPr/>
         </p:nvPicPr>
         <p:blipFill>
-          <a:blip r:embed="rId2" cstate="print">
+          <a:blip r:embed="rId3" cstate="print">
             <a:extLst>
               <a:ext uri="{28A0092B-C50C-407E-A947-70E740481C1C}">
                 <a14:useLocalDpi xmlns:a14="http://schemas.microsoft.com/office/drawing/2010/main" val="0"/>
@@ -4266,7 +5313,7 @@
           <p:nvPr/>
         </p:nvPicPr>
         <p:blipFill>
-          <a:blip r:embed="rId3">
+          <a:blip r:embed="rId4">
             <a:extLst>
               <a:ext uri="{28A0092B-C50C-407E-A947-70E740481C1C}">
                 <a14:useLocalDpi xmlns:a14="http://schemas.microsoft.com/office/drawing/2010/main" val="0"/>
@@ -4441,7 +5488,7 @@
           <p:nvPr/>
         </p:nvPicPr>
         <p:blipFill>
-          <a:blip r:embed="rId2" cstate="print">
+          <a:blip r:embed="rId3" cstate="print">
             <a:extLst>
               <a:ext uri="{28A0092B-C50C-407E-A947-70E740481C1C}">
                 <a14:useLocalDpi xmlns:a14="http://schemas.microsoft.com/office/drawing/2010/main" val="0"/>
@@ -4627,7 +5674,7 @@
           <p:nvPr/>
         </p:nvPicPr>
         <p:blipFill>
-          <a:blip r:embed="rId3">
+          <a:blip r:embed="rId4">
             <a:extLst>
               <a:ext uri="{28A0092B-C50C-407E-A947-70E740481C1C}">
                 <a14:useLocalDpi xmlns:a14="http://schemas.microsoft.com/office/drawing/2010/main" val="0"/>
@@ -4657,7 +5704,7 @@
           <p:nvPr/>
         </p:nvPicPr>
         <p:blipFill>
-          <a:blip r:embed="rId4">
+          <a:blip r:embed="rId5">
             <a:extLst>
               <a:ext uri="{28A0092B-C50C-407E-A947-70E740481C1C}">
                 <a14:useLocalDpi xmlns:a14="http://schemas.microsoft.com/office/drawing/2010/main" val="0"/>
@@ -4687,7 +5734,7 @@
           <p:nvPr/>
         </p:nvPicPr>
         <p:blipFill>
-          <a:blip r:embed="rId5">
+          <a:blip r:embed="rId6">
             <a:extLst>
               <a:ext uri="{28A0092B-C50C-407E-A947-70E740481C1C}">
                 <a14:useLocalDpi xmlns:a14="http://schemas.microsoft.com/office/drawing/2010/main" val="0"/>
@@ -4717,7 +5764,7 @@
           <p:nvPr/>
         </p:nvPicPr>
         <p:blipFill>
-          <a:blip r:embed="rId6">
+          <a:blip r:embed="rId7">
             <a:extLst>
               <a:ext uri="{28A0092B-C50C-407E-A947-70E740481C1C}">
                 <a14:useLocalDpi xmlns:a14="http://schemas.microsoft.com/office/drawing/2010/main" val="0"/>
@@ -4747,7 +5794,7 @@
           <p:nvPr/>
         </p:nvPicPr>
         <p:blipFill>
-          <a:blip r:embed="rId7">
+          <a:blip r:embed="rId8">
             <a:extLst>
               <a:ext uri="{28A0092B-C50C-407E-A947-70E740481C1C}">
                 <a14:useLocalDpi xmlns:a14="http://schemas.microsoft.com/office/drawing/2010/main" val="0"/>
@@ -5240,7 +6287,7 @@
           <p:nvPr/>
         </p:nvPicPr>
         <p:blipFill>
-          <a:blip r:embed="rId2" cstate="print">
+          <a:blip r:embed="rId3" cstate="print">
             <a:extLst>
               <a:ext uri="{28A0092B-C50C-407E-A947-70E740481C1C}">
                 <a14:useLocalDpi xmlns:a14="http://schemas.microsoft.com/office/drawing/2010/main" val="0"/>
@@ -5457,7 +6504,7 @@
           <p:nvPr/>
         </p:nvPicPr>
         <p:blipFill>
-          <a:blip r:embed="rId3">
+          <a:blip r:embed="rId4">
             <a:extLst>
               <a:ext uri="{28A0092B-C50C-407E-A947-70E740481C1C}">
                 <a14:useLocalDpi xmlns:a14="http://schemas.microsoft.com/office/drawing/2010/main" val="0"/>
@@ -5487,7 +6534,7 @@
           <p:nvPr/>
         </p:nvPicPr>
         <p:blipFill>
-          <a:blip r:embed="rId4">
+          <a:blip r:embed="rId5">
             <a:extLst>
               <a:ext uri="{28A0092B-C50C-407E-A947-70E740481C1C}">
                 <a14:useLocalDpi xmlns:a14="http://schemas.microsoft.com/office/drawing/2010/main" val="0"/>
@@ -5517,7 +6564,7 @@
           <p:nvPr/>
         </p:nvPicPr>
         <p:blipFill>
-          <a:blip r:embed="rId5">
+          <a:blip r:embed="rId6">
             <a:extLst>
               <a:ext uri="{28A0092B-C50C-407E-A947-70E740481C1C}">
                 <a14:useLocalDpi xmlns:a14="http://schemas.microsoft.com/office/drawing/2010/main" val="0"/>
@@ -5844,4 +6891,299 @@
     </a:ext>
   </a:extLst>
 </a:theme>
+</file>
+
+<file path=ppt/theme/theme2.xml><?xml version="1.0" encoding="utf-8"?>
+<a:theme xmlns:a="http://schemas.openxmlformats.org/drawingml/2006/main" name="Thème Office">
+  <a:themeElements>
+    <a:clrScheme name="Office">
+      <a:dk1>
+        <a:sysClr val="windowText" lastClr="000000"/>
+      </a:dk1>
+      <a:lt1>
+        <a:sysClr val="window" lastClr="FFFFFF"/>
+      </a:lt1>
+      <a:dk2>
+        <a:srgbClr val="44546A"/>
+      </a:dk2>
+      <a:lt2>
+        <a:srgbClr val="E7E6E6"/>
+      </a:lt2>
+      <a:accent1>
+        <a:srgbClr val="5B9BD5"/>
+      </a:accent1>
+      <a:accent2>
+        <a:srgbClr val="ED7D31"/>
+      </a:accent2>
+      <a:accent3>
+        <a:srgbClr val="A5A5A5"/>
+      </a:accent3>
+      <a:accent4>
+        <a:srgbClr val="FFC000"/>
+      </a:accent4>
+      <a:accent5>
+        <a:srgbClr val="4472C4"/>
+      </a:accent5>
+      <a:accent6>
+        <a:srgbClr val="70AD47"/>
+      </a:accent6>
+      <a:hlink>
+        <a:srgbClr val="0563C1"/>
+      </a:hlink>
+      <a:folHlink>
+        <a:srgbClr val="954F72"/>
+      </a:folHlink>
+    </a:clrScheme>
+    <a:fontScheme name="Office">
+      <a:majorFont>
+        <a:latin typeface="Calibri Light" panose="020F0302020204030204"/>
+        <a:ea typeface=""/>
+        <a:cs typeface=""/>
+        <a:font script="Jpan" typeface="游ゴシック Light"/>
+        <a:font script="Hang" typeface="맑은 고딕"/>
+        <a:font script="Hans" typeface="等线 Light"/>
+        <a:font script="Hant" typeface="新細明體"/>
+        <a:font script="Arab" typeface="Times New Roman"/>
+        <a:font script="Hebr" typeface="Times New Roman"/>
+        <a:font script="Thai" typeface="Angsana New"/>
+        <a:font script="Ethi" typeface="Nyala"/>
+        <a:font script="Beng" typeface="Vrinda"/>
+        <a:font script="Gujr" typeface="Shruti"/>
+        <a:font script="Khmr" typeface="MoolBoran"/>
+        <a:font script="Knda" typeface="Tunga"/>
+        <a:font script="Guru" typeface="Raavi"/>
+        <a:font script="Cans" typeface="Euphemia"/>
+        <a:font script="Cher" typeface="Plantagenet Cherokee"/>
+        <a:font script="Yiii" typeface="Microsoft Yi Baiti"/>
+        <a:font script="Tibt" typeface="Microsoft Himalaya"/>
+        <a:font script="Thaa" typeface="MV Boli"/>
+        <a:font script="Deva" typeface="Mangal"/>
+        <a:font script="Telu" typeface="Gautami"/>
+        <a:font script="Taml" typeface="Latha"/>
+        <a:font script="Syrc" typeface="Estrangelo Edessa"/>
+        <a:font script="Orya" typeface="Kalinga"/>
+        <a:font script="Mlym" typeface="Kartika"/>
+        <a:font script="Laoo" typeface="DokChampa"/>
+        <a:font script="Sinh" typeface="Iskoola Pota"/>
+        <a:font script="Mong" typeface="Mongolian Baiti"/>
+        <a:font script="Viet" typeface="Times New Roman"/>
+        <a:font script="Uigh" typeface="Microsoft Uighur"/>
+        <a:font script="Geor" typeface="Sylfaen"/>
+        <a:font script="Armn" typeface="Arial"/>
+        <a:font script="Bugi" typeface="Leelawadee UI"/>
+        <a:font script="Bopo" typeface="Microsoft JhengHei"/>
+        <a:font script="Java" typeface="Javanese Text"/>
+        <a:font script="Lisu" typeface="Segoe UI"/>
+        <a:font script="Mymr" typeface="Myanmar Text"/>
+        <a:font script="Nkoo" typeface="Ebrima"/>
+        <a:font script="Olck" typeface="Nirmala UI"/>
+        <a:font script="Osma" typeface="Ebrima"/>
+        <a:font script="Phag" typeface="Phagspa"/>
+        <a:font script="Syrn" typeface="Estrangelo Edessa"/>
+        <a:font script="Syrj" typeface="Estrangelo Edessa"/>
+        <a:font script="Syre" typeface="Estrangelo Edessa"/>
+        <a:font script="Sora" typeface="Nirmala UI"/>
+        <a:font script="Tale" typeface="Microsoft Tai Le"/>
+        <a:font script="Talu" typeface="Microsoft New Tai Lue"/>
+        <a:font script="Tfng" typeface="Ebrima"/>
+      </a:majorFont>
+      <a:minorFont>
+        <a:latin typeface="Calibri" panose="020F0502020204030204"/>
+        <a:ea typeface=""/>
+        <a:cs typeface=""/>
+        <a:font script="Jpan" typeface="游ゴシック"/>
+        <a:font script="Hang" typeface="맑은 고딕"/>
+        <a:font script="Hans" typeface="等线"/>
+        <a:font script="Hant" typeface="新細明體"/>
+        <a:font script="Arab" typeface="Arial"/>
+        <a:font script="Hebr" typeface="Arial"/>
+        <a:font script="Thai" typeface="Cordia New"/>
+        <a:font script="Ethi" typeface="Nyala"/>
+        <a:font script="Beng" typeface="Vrinda"/>
+        <a:font script="Gujr" typeface="Shruti"/>
+        <a:font script="Khmr" typeface="DaunPenh"/>
+        <a:font script="Knda" typeface="Tunga"/>
+        <a:font script="Guru" typeface="Raavi"/>
+        <a:font script="Cans" typeface="Euphemia"/>
+        <a:font script="Cher" typeface="Plantagenet Cherokee"/>
+        <a:font script="Yiii" typeface="Microsoft Yi Baiti"/>
+        <a:font script="Tibt" typeface="Microsoft Himalaya"/>
+        <a:font script="Thaa" typeface="MV Boli"/>
+        <a:font script="Deva" typeface="Mangal"/>
+        <a:font script="Telu" typeface="Gautami"/>
+        <a:font script="Taml" typeface="Latha"/>
+        <a:font script="Syrc" typeface="Estrangelo Edessa"/>
+        <a:font script="Orya" typeface="Kalinga"/>
+        <a:font script="Mlym" typeface="Kartika"/>
+        <a:font script="Laoo" typeface="DokChampa"/>
+        <a:font script="Sinh" typeface="Iskoola Pota"/>
+        <a:font script="Mong" typeface="Mongolian Baiti"/>
+        <a:font script="Viet" typeface="Arial"/>
+        <a:font script="Uigh" typeface="Microsoft Uighur"/>
+        <a:font script="Geor" typeface="Sylfaen"/>
+        <a:font script="Armn" typeface="Arial"/>
+        <a:font script="Bugi" typeface="Leelawadee UI"/>
+        <a:font script="Bopo" typeface="Microsoft JhengHei"/>
+        <a:font script="Java" typeface="Javanese Text"/>
+        <a:font script="Lisu" typeface="Segoe UI"/>
+        <a:font script="Mymr" typeface="Myanmar Text"/>
+        <a:font script="Nkoo" typeface="Ebrima"/>
+        <a:font script="Olck" typeface="Nirmala UI"/>
+        <a:font script="Osma" typeface="Ebrima"/>
+        <a:font script="Phag" typeface="Phagspa"/>
+        <a:font script="Syrn" typeface="Estrangelo Edessa"/>
+        <a:font script="Syrj" typeface="Estrangelo Edessa"/>
+        <a:font script="Syre" typeface="Estrangelo Edessa"/>
+        <a:font script="Sora" typeface="Nirmala UI"/>
+        <a:font script="Tale" typeface="Microsoft Tai Le"/>
+        <a:font script="Talu" typeface="Microsoft New Tai Lue"/>
+        <a:font script="Tfng" typeface="Ebrima"/>
+      </a:minorFont>
+    </a:fontScheme>
+    <a:fmtScheme name="Office">
+      <a:fillStyleLst>
+        <a:solidFill>
+          <a:schemeClr val="phClr"/>
+        </a:solidFill>
+        <a:gradFill rotWithShape="1">
+          <a:gsLst>
+            <a:gs pos="0">
+              <a:schemeClr val="phClr">
+                <a:lumMod val="110000"/>
+                <a:satMod val="105000"/>
+                <a:tint val="67000"/>
+              </a:schemeClr>
+            </a:gs>
+            <a:gs pos="50000">
+              <a:schemeClr val="phClr">
+                <a:lumMod val="105000"/>
+                <a:satMod val="103000"/>
+                <a:tint val="73000"/>
+              </a:schemeClr>
+            </a:gs>
+            <a:gs pos="100000">
+              <a:schemeClr val="phClr">
+                <a:lumMod val="105000"/>
+                <a:satMod val="109000"/>
+                <a:tint val="81000"/>
+              </a:schemeClr>
+            </a:gs>
+          </a:gsLst>
+          <a:lin ang="5400000" scaled="0"/>
+        </a:gradFill>
+        <a:gradFill rotWithShape="1">
+          <a:gsLst>
+            <a:gs pos="0">
+              <a:schemeClr val="phClr">
+                <a:satMod val="103000"/>
+                <a:lumMod val="102000"/>
+                <a:tint val="94000"/>
+              </a:schemeClr>
+            </a:gs>
+            <a:gs pos="50000">
+              <a:schemeClr val="phClr">
+                <a:satMod val="110000"/>
+                <a:lumMod val="100000"/>
+                <a:shade val="100000"/>
+              </a:schemeClr>
+            </a:gs>
+            <a:gs pos="100000">
+              <a:schemeClr val="phClr">
+                <a:lumMod val="99000"/>
+                <a:satMod val="120000"/>
+                <a:shade val="78000"/>
+              </a:schemeClr>
+            </a:gs>
+          </a:gsLst>
+          <a:lin ang="5400000" scaled="0"/>
+        </a:gradFill>
+      </a:fillStyleLst>
+      <a:lnStyleLst>
+        <a:ln w="6350" cap="flat" cmpd="sng" algn="ctr">
+          <a:solidFill>
+            <a:schemeClr val="phClr"/>
+          </a:solidFill>
+          <a:prstDash val="solid"/>
+          <a:miter lim="800000"/>
+        </a:ln>
+        <a:ln w="12700" cap="flat" cmpd="sng" algn="ctr">
+          <a:solidFill>
+            <a:schemeClr val="phClr"/>
+          </a:solidFill>
+          <a:prstDash val="solid"/>
+          <a:miter lim="800000"/>
+        </a:ln>
+        <a:ln w="19050" cap="flat" cmpd="sng" algn="ctr">
+          <a:solidFill>
+            <a:schemeClr val="phClr"/>
+          </a:solidFill>
+          <a:prstDash val="solid"/>
+          <a:miter lim="800000"/>
+        </a:ln>
+      </a:lnStyleLst>
+      <a:effectStyleLst>
+        <a:effectStyle>
+          <a:effectLst/>
+        </a:effectStyle>
+        <a:effectStyle>
+          <a:effectLst/>
+        </a:effectStyle>
+        <a:effectStyle>
+          <a:effectLst>
+            <a:outerShdw blurRad="57150" dist="19050" dir="5400000" algn="ctr" rotWithShape="0">
+              <a:srgbClr val="000000">
+                <a:alpha val="63000"/>
+              </a:srgbClr>
+            </a:outerShdw>
+          </a:effectLst>
+        </a:effectStyle>
+      </a:effectStyleLst>
+      <a:bgFillStyleLst>
+        <a:solidFill>
+          <a:schemeClr val="phClr"/>
+        </a:solidFill>
+        <a:solidFill>
+          <a:schemeClr val="phClr">
+            <a:tint val="95000"/>
+            <a:satMod val="170000"/>
+          </a:schemeClr>
+        </a:solidFill>
+        <a:gradFill rotWithShape="1">
+          <a:gsLst>
+            <a:gs pos="0">
+              <a:schemeClr val="phClr">
+                <a:tint val="93000"/>
+                <a:satMod val="150000"/>
+                <a:shade val="98000"/>
+                <a:lumMod val="102000"/>
+              </a:schemeClr>
+            </a:gs>
+            <a:gs pos="50000">
+              <a:schemeClr val="phClr">
+                <a:tint val="98000"/>
+                <a:satMod val="130000"/>
+                <a:shade val="90000"/>
+                <a:lumMod val="103000"/>
+              </a:schemeClr>
+            </a:gs>
+            <a:gs pos="100000">
+              <a:schemeClr val="phClr">
+                <a:shade val="63000"/>
+                <a:satMod val="120000"/>
+              </a:schemeClr>
+            </a:gs>
+          </a:gsLst>
+          <a:lin ang="5400000" scaled="0"/>
+        </a:gradFill>
+      </a:bgFillStyleLst>
+    </a:fmtScheme>
+  </a:themeElements>
+  <a:objectDefaults/>
+  <a:extraClrSchemeLst/>
+  <a:extLst>
+    <a:ext uri="{05A4C25C-085E-4340-85A3-A5531E510DB2}">
+      <thm15:themeFamily xmlns:thm15="http://schemas.microsoft.com/office/thememl/2012/main" name="Office Theme" id="{62F939B6-93AF-4DB8-9C6B-D6C7DFDC589F}" vid="{4A3C46E8-61CC-4603-A589-7422A47A8E4A}"/>
+    </a:ext>
+  </a:extLst>
+</a:theme>
 </file>